--- a/OT/Meetup-#0.pptx
+++ b/OT/Meetup-#0.pptx
@@ -137,7 +137,7 @@
   <pc:docChgLst>
     <pc:chgData name="이지운" userId="d5dfea2c-d399-4941-b35a-d6891388e25d" providerId="ADAL" clId="{306553C9-D98C-4352-91DB-A1E1EC1BE70C}"/>
     <pc:docChg chg="undo custSel modSld">
-      <pc:chgData name="이지운" userId="d5dfea2c-d399-4941-b35a-d6891388e25d" providerId="ADAL" clId="{306553C9-D98C-4352-91DB-A1E1EC1BE70C}" dt="2023-01-06T08:32:37.183" v="350" actId="798"/>
+      <pc:chgData name="이지운" userId="d5dfea2c-d399-4941-b35a-d6891388e25d" providerId="ADAL" clId="{306553C9-D98C-4352-91DB-A1E1EC1BE70C}" dt="2023-01-09T04:17:06.446" v="356" actId="20577"/>
       <pc:docMkLst>
         <pc:docMk/>
       </pc:docMkLst>
@@ -157,7 +157,7 @@
         </pc:spChg>
       </pc:sldChg>
       <pc:sldChg chg="modSp mod">
-        <pc:chgData name="이지운" userId="d5dfea2c-d399-4941-b35a-d6891388e25d" providerId="ADAL" clId="{306553C9-D98C-4352-91DB-A1E1EC1BE70C}" dt="2023-01-06T08:28:20.481" v="317" actId="20577"/>
+        <pc:chgData name="이지운" userId="d5dfea2c-d399-4941-b35a-d6891388e25d" providerId="ADAL" clId="{306553C9-D98C-4352-91DB-A1E1EC1BE70C}" dt="2023-01-09T04:17:06.446" v="356" actId="20577"/>
         <pc:sldMkLst>
           <pc:docMk/>
           <pc:sldMk cId="1566883071" sldId="263"/>
@@ -168,6 +168,14 @@
             <pc:docMk/>
             <pc:sldMk cId="1566883071" sldId="263"/>
             <ac:spMk id="3" creationId="{8DBA82D1-AB87-8AD4-7D2F-811256421AB6}"/>
+          </ac:spMkLst>
+        </pc:spChg>
+        <pc:spChg chg="mod">
+          <ac:chgData name="이지운" userId="d5dfea2c-d399-4941-b35a-d6891388e25d" providerId="ADAL" clId="{306553C9-D98C-4352-91DB-A1E1EC1BE70C}" dt="2023-01-09T04:17:06.446" v="356" actId="20577"/>
+          <ac:spMkLst>
+            <pc:docMk/>
+            <pc:sldMk cId="1566883071" sldId="263"/>
+            <ac:spMk id="33" creationId="{B8A9706E-9594-49A1-8E87-E52F41DB74C9}"/>
           </ac:spMkLst>
         </pc:spChg>
       </pc:sldChg>
@@ -1660,7 +1668,7 @@
           <a:p>
             <a:fld id="{7C4DE727-F8FA-4211-ACA9-0BF35F5C3B96}" type="datetimeFigureOut">
               <a:rPr lang="ko-KR" altLang="en-US" smtClean="0"/>
-              <a:t>2023-01-06</a:t>
+              <a:t>2023-01-09</a:t>
             </a:fld>
             <a:endParaRPr lang="ko-KR" altLang="en-US"/>
           </a:p>
@@ -1858,7 +1866,7 @@
           <a:p>
             <a:fld id="{7C4DE727-F8FA-4211-ACA9-0BF35F5C3B96}" type="datetimeFigureOut">
               <a:rPr lang="ko-KR" altLang="en-US" smtClean="0"/>
-              <a:t>2023-01-06</a:t>
+              <a:t>2023-01-09</a:t>
             </a:fld>
             <a:endParaRPr lang="ko-KR" altLang="en-US"/>
           </a:p>
@@ -2066,7 +2074,7 @@
           <a:p>
             <a:fld id="{7C4DE727-F8FA-4211-ACA9-0BF35F5C3B96}" type="datetimeFigureOut">
               <a:rPr lang="ko-KR" altLang="en-US" smtClean="0"/>
-              <a:t>2023-01-06</a:t>
+              <a:t>2023-01-09</a:t>
             </a:fld>
             <a:endParaRPr lang="ko-KR" altLang="en-US"/>
           </a:p>
@@ -2264,7 +2272,7 @@
           <a:p>
             <a:fld id="{7C4DE727-F8FA-4211-ACA9-0BF35F5C3B96}" type="datetimeFigureOut">
               <a:rPr lang="ko-KR" altLang="en-US" smtClean="0"/>
-              <a:t>2023-01-06</a:t>
+              <a:t>2023-01-09</a:t>
             </a:fld>
             <a:endParaRPr lang="ko-KR" altLang="en-US"/>
           </a:p>
@@ -2539,7 +2547,7 @@
           <a:p>
             <a:fld id="{7C4DE727-F8FA-4211-ACA9-0BF35F5C3B96}" type="datetimeFigureOut">
               <a:rPr lang="ko-KR" altLang="en-US" smtClean="0"/>
-              <a:t>2023-01-06</a:t>
+              <a:t>2023-01-09</a:t>
             </a:fld>
             <a:endParaRPr lang="ko-KR" altLang="en-US"/>
           </a:p>
@@ -2804,7 +2812,7 @@
           <a:p>
             <a:fld id="{7C4DE727-F8FA-4211-ACA9-0BF35F5C3B96}" type="datetimeFigureOut">
               <a:rPr lang="ko-KR" altLang="en-US" smtClean="0"/>
-              <a:t>2023-01-06</a:t>
+              <a:t>2023-01-09</a:t>
             </a:fld>
             <a:endParaRPr lang="ko-KR" altLang="en-US"/>
           </a:p>
@@ -3216,7 +3224,7 @@
           <a:p>
             <a:fld id="{7C4DE727-F8FA-4211-ACA9-0BF35F5C3B96}" type="datetimeFigureOut">
               <a:rPr lang="ko-KR" altLang="en-US" smtClean="0"/>
-              <a:t>2023-01-06</a:t>
+              <a:t>2023-01-09</a:t>
             </a:fld>
             <a:endParaRPr lang="ko-KR" altLang="en-US"/>
           </a:p>
@@ -3357,7 +3365,7 @@
           <a:p>
             <a:fld id="{7C4DE727-F8FA-4211-ACA9-0BF35F5C3B96}" type="datetimeFigureOut">
               <a:rPr lang="ko-KR" altLang="en-US" smtClean="0"/>
-              <a:t>2023-01-06</a:t>
+              <a:t>2023-01-09</a:t>
             </a:fld>
             <a:endParaRPr lang="ko-KR" altLang="en-US"/>
           </a:p>
@@ -3470,7 +3478,7 @@
           <a:p>
             <a:fld id="{7C4DE727-F8FA-4211-ACA9-0BF35F5C3B96}" type="datetimeFigureOut">
               <a:rPr lang="ko-KR" altLang="en-US" smtClean="0"/>
-              <a:t>2023-01-06</a:t>
+              <a:t>2023-01-09</a:t>
             </a:fld>
             <a:endParaRPr lang="ko-KR" altLang="en-US"/>
           </a:p>
@@ -3781,7 +3789,7 @@
           <a:p>
             <a:fld id="{7C4DE727-F8FA-4211-ACA9-0BF35F5C3B96}" type="datetimeFigureOut">
               <a:rPr lang="ko-KR" altLang="en-US" smtClean="0"/>
-              <a:t>2023-01-06</a:t>
+              <a:t>2023-01-09</a:t>
             </a:fld>
             <a:endParaRPr lang="ko-KR" altLang="en-US"/>
           </a:p>
@@ -4069,7 +4077,7 @@
           <a:p>
             <a:fld id="{7C4DE727-F8FA-4211-ACA9-0BF35F5C3B96}" type="datetimeFigureOut">
               <a:rPr lang="ko-KR" altLang="en-US" smtClean="0"/>
-              <a:t>2023-01-06</a:t>
+              <a:t>2023-01-09</a:t>
             </a:fld>
             <a:endParaRPr lang="ko-KR" altLang="en-US"/>
           </a:p>
@@ -4310,7 +4318,7 @@
           <a:p>
             <a:fld id="{7C4DE727-F8FA-4211-ACA9-0BF35F5C3B96}" type="datetimeFigureOut">
               <a:rPr lang="ko-KR" altLang="en-US" smtClean="0"/>
-              <a:t>2023-01-06</a:t>
+              <a:t>2023-01-09</a:t>
             </a:fld>
             <a:endParaRPr lang="ko-KR" altLang="en-US"/>
           </a:p>
@@ -13347,7 +13355,7 @@
                 <a:latin typeface="나눔스퀘어" panose="020B0600000101010101" pitchFamily="50" charset="-127"/>
                 <a:ea typeface="나눔스퀘어" panose="020B0600000101010101" pitchFamily="50" charset="-127"/>
               </a:rPr>
-              <a:t>PERSONER TASK</a:t>
+              <a:t>PERSONAL TASK</a:t>
             </a:r>
           </a:p>
         </p:txBody>
